--- a/Presentation/Data_int5_team4_presentation.pptx
+++ b/Presentation/Data_int5_team4_presentation.pptx
@@ -28664,6 +28664,7 @@
     <we:property name="reportName" value="&quot;Data int 5&quot;"/>
     <we:property name="reportState" value="&quot;CONNECTED&quot;"/>
     <we:property name="reportUrl" value="&quot;/links/ixJ_hkHprr?ctid=6f23ce14-c337-487f-80d2-7d41dd622593&amp;pbi_source=linkShare&quot;"/>
+    <we:property name="isFooterCollapsed" value="true"/>
   </we:properties>
   <we:bindings/>
   <we:snapshot xmlns:r="http://schemas.openxmlformats.org/officeDocument/2006/relationships" r:embed="rId1"/>
